--- a/014_LPR/architecture/plate.pptx
+++ b/014_LPR/architecture/plate.pptx
@@ -3324,7 +3324,7 @@
         </p:nvSpPr>
         <p:spPr>
           <a:xfrm>
-            <a:off x="493395" y="179070"/>
+            <a:off x="280670" y="229235"/>
             <a:ext cx="314325" cy="328295"/>
           </a:xfrm>
           <a:prstGeom prst="rect">
@@ -3367,7 +3367,7 @@
         </p:nvSpPr>
         <p:spPr>
           <a:xfrm>
-            <a:off x="426720" y="259080"/>
+            <a:off x="213995" y="309245"/>
             <a:ext cx="314325" cy="328295"/>
           </a:xfrm>
           <a:prstGeom prst="rect">
@@ -3409,7 +3409,7 @@
         </p:nvSpPr>
         <p:spPr>
           <a:xfrm>
-            <a:off x="345440" y="344805"/>
+            <a:off x="132715" y="394970"/>
             <a:ext cx="314325" cy="328295"/>
           </a:xfrm>
           <a:prstGeom prst="rect">
@@ -4084,7 +4084,7 @@
         </p:nvSpPr>
         <p:spPr>
           <a:xfrm>
-            <a:off x="236855" y="697865"/>
+            <a:off x="24130" y="748030"/>
             <a:ext cx="763905" cy="213995"/>
           </a:xfrm>
           <a:prstGeom prst="rect">
@@ -4150,7 +4150,7 @@
         </p:nvSpPr>
         <p:spPr>
           <a:xfrm>
-            <a:off x="580390" y="1397000"/>
+            <a:off x="1270635" y="574040"/>
             <a:ext cx="748030" cy="173355"/>
           </a:xfrm>
           <a:prstGeom prst="rect">
@@ -4179,7 +4179,7 @@
         </p:nvCxnSpPr>
         <p:spPr>
           <a:xfrm flipV="1">
-            <a:off x="3391535" y="273050"/>
+            <a:off x="3220720" y="273050"/>
             <a:ext cx="0" cy="9525"/>
           </a:xfrm>
           <a:prstGeom prst="line">
@@ -5905,7 +5905,7 @@
         </p:nvSpPr>
         <p:spPr>
           <a:xfrm>
-            <a:off x="236855" y="1613535"/>
+            <a:off x="927100" y="790575"/>
             <a:ext cx="763270" cy="285750"/>
           </a:xfrm>
           <a:prstGeom prst="roundRect">
@@ -5937,7 +5937,7 @@
             <a:pPr algn="ctr"/>
             <a:r>
               <a:rPr lang="en-US" altLang="zh-CN" sz="1000"/>
-              <a:t>1:SB2</a:t>
+              <a:t>1:1*SB2</a:t>
             </a:r>
             <a:endParaRPr lang="en-US" altLang="zh-CN" sz="1000"/>
           </a:p>
@@ -5955,7 +5955,7 @@
         </p:nvSpPr>
         <p:spPr>
           <a:xfrm>
-            <a:off x="237490" y="2120900"/>
+            <a:off x="927735" y="1297940"/>
             <a:ext cx="763270" cy="285750"/>
           </a:xfrm>
           <a:prstGeom prst="roundRect">
@@ -6005,7 +6005,7 @@
         </p:nvSpPr>
         <p:spPr>
           <a:xfrm>
-            <a:off x="236855" y="2609215"/>
+            <a:off x="927100" y="1786255"/>
             <a:ext cx="763270" cy="285750"/>
           </a:xfrm>
           <a:prstGeom prst="roundRect">
@@ -6037,7 +6037,7 @@
             <a:pPr algn="ctr"/>
             <a:r>
               <a:rPr lang="en-US" altLang="zh-CN" sz="1000"/>
-              <a:t>3:SB2</a:t>
+              <a:t>3:1*SB2</a:t>
             </a:r>
             <a:endParaRPr lang="en-US" altLang="zh-CN" sz="1000"/>
           </a:p>
@@ -6055,7 +6055,7 @@
         </p:nvSpPr>
         <p:spPr>
           <a:xfrm>
-            <a:off x="236855" y="1127760"/>
+            <a:off x="927100" y="304800"/>
             <a:ext cx="763270" cy="285750"/>
           </a:xfrm>
           <a:prstGeom prst="roundRect">
@@ -6108,7 +6108,7 @@
         </p:nvSpPr>
         <p:spPr>
           <a:xfrm>
-            <a:off x="236855" y="3094355"/>
+            <a:off x="927100" y="2271395"/>
             <a:ext cx="763270" cy="285750"/>
           </a:xfrm>
           <a:prstGeom prst="roundRect">
@@ -6158,8 +6158,8 @@
         </p:nvCxnSpPr>
         <p:spPr>
           <a:xfrm>
-            <a:off x="583565" y="911860"/>
-            <a:ext cx="0" cy="219075"/>
+            <a:off x="704850" y="471805"/>
+            <a:ext cx="217170" cy="9525"/>
           </a:xfrm>
           <a:prstGeom prst="straightConnector1">
             <a:avLst/>
@@ -6195,7 +6195,7 @@
         </p:nvSpPr>
         <p:spPr>
           <a:xfrm>
-            <a:off x="236855" y="3578225"/>
+            <a:off x="927100" y="2755265"/>
             <a:ext cx="763270" cy="285750"/>
           </a:xfrm>
           <a:prstGeom prst="roundRect">
@@ -6227,7 +6227,7 @@
             <a:pPr algn="ctr"/>
             <a:r>
               <a:rPr lang="en-US" altLang="zh-CN" sz="1000"/>
-              <a:t>5:SB2</a:t>
+              <a:t>5:1*SB2</a:t>
             </a:r>
             <a:endParaRPr lang="en-US" altLang="zh-CN" sz="1000"/>
           </a:p>
@@ -6245,7 +6245,7 @@
         </p:nvSpPr>
         <p:spPr>
           <a:xfrm>
-            <a:off x="236220" y="4086860"/>
+            <a:off x="926465" y="3263900"/>
             <a:ext cx="763905" cy="285750"/>
           </a:xfrm>
           <a:prstGeom prst="roundRect">
@@ -6295,7 +6295,7 @@
         </p:nvSpPr>
         <p:spPr>
           <a:xfrm>
-            <a:off x="236220" y="4597400"/>
+            <a:off x="926465" y="3774440"/>
             <a:ext cx="763905" cy="285750"/>
           </a:xfrm>
           <a:prstGeom prst="roundRect">
@@ -8025,7 +8025,7 @@
         </p:nvSpPr>
         <p:spPr>
           <a:xfrm>
-            <a:off x="1477010" y="4443095"/>
+            <a:off x="2167255" y="3620135"/>
             <a:ext cx="1162685" cy="285750"/>
           </a:xfrm>
           <a:prstGeom prst="roundRect">
@@ -8075,7 +8075,7 @@
         </p:nvSpPr>
         <p:spPr>
           <a:xfrm>
-            <a:off x="1487170" y="4011295"/>
+            <a:off x="2177415" y="3188335"/>
             <a:ext cx="1163955" cy="285750"/>
           </a:xfrm>
           <a:prstGeom prst="roundRect">
@@ -8128,7 +8128,7 @@
         </p:nvSpPr>
         <p:spPr>
           <a:xfrm>
-            <a:off x="1477010" y="3594100"/>
+            <a:off x="2167255" y="2771140"/>
             <a:ext cx="1163955" cy="269875"/>
           </a:xfrm>
           <a:prstGeom prst="ellipse">
@@ -8181,7 +8181,7 @@
         </p:nvSpPr>
         <p:spPr>
           <a:xfrm>
-            <a:off x="1487170" y="3034030"/>
+            <a:off x="2177415" y="2211070"/>
             <a:ext cx="1153160" cy="285750"/>
           </a:xfrm>
           <a:prstGeom prst="roundRect">
@@ -8231,7 +8231,7 @@
         </p:nvSpPr>
         <p:spPr>
           <a:xfrm>
-            <a:off x="1499235" y="2555875"/>
+            <a:off x="2189480" y="1732915"/>
             <a:ext cx="1143000" cy="285750"/>
           </a:xfrm>
           <a:prstGeom prst="roundRect">
@@ -8281,7 +8281,7 @@
         </p:nvSpPr>
         <p:spPr>
           <a:xfrm>
-            <a:off x="1499235" y="2041525"/>
+            <a:off x="2189480" y="1218565"/>
             <a:ext cx="1141730" cy="285750"/>
           </a:xfrm>
           <a:prstGeom prst="roundRect">
@@ -8334,7 +8334,7 @@
         </p:nvSpPr>
         <p:spPr>
           <a:xfrm>
-            <a:off x="1487170" y="1586230"/>
+            <a:off x="2177415" y="763270"/>
             <a:ext cx="1143000" cy="269875"/>
           </a:xfrm>
           <a:prstGeom prst="ellipse">
@@ -8387,7 +8387,7 @@
         </p:nvSpPr>
         <p:spPr>
           <a:xfrm>
-            <a:off x="3181350" y="1647190"/>
+            <a:off x="3871595" y="824230"/>
             <a:ext cx="1132205" cy="285750"/>
           </a:xfrm>
           <a:prstGeom prst="roundRect">
@@ -8437,7 +8437,7 @@
         </p:nvSpPr>
         <p:spPr>
           <a:xfrm>
-            <a:off x="1499235" y="1127760"/>
+            <a:off x="2189480" y="304800"/>
             <a:ext cx="1130935" cy="285750"/>
           </a:xfrm>
           <a:prstGeom prst="roundRect">
@@ -8487,7 +8487,7 @@
         </p:nvSpPr>
         <p:spPr>
           <a:xfrm>
-            <a:off x="3181350" y="2339975"/>
+            <a:off x="3871595" y="1517015"/>
             <a:ext cx="1125855" cy="285750"/>
           </a:xfrm>
           <a:prstGeom prst="roundRect">
@@ -8540,7 +8540,7 @@
         </p:nvSpPr>
         <p:spPr>
           <a:xfrm>
-            <a:off x="3175000" y="2985135"/>
+            <a:off x="3865245" y="2162175"/>
             <a:ext cx="1132205" cy="285750"/>
           </a:xfrm>
           <a:prstGeom prst="roundRect">
@@ -8590,7 +8590,7 @@
         </p:nvSpPr>
         <p:spPr>
           <a:xfrm>
-            <a:off x="3175000" y="3599180"/>
+            <a:off x="3865245" y="2776220"/>
             <a:ext cx="1125855" cy="285750"/>
           </a:xfrm>
           <a:prstGeom prst="roundRect">
@@ -8640,7 +8640,7 @@
         </p:nvSpPr>
         <p:spPr>
           <a:xfrm>
-            <a:off x="3181350" y="4225925"/>
+            <a:off x="3871595" y="3402965"/>
             <a:ext cx="1125855" cy="285750"/>
           </a:xfrm>
           <a:prstGeom prst="roundRect">
@@ -8693,7 +8693,7 @@
         </p:nvSpPr>
         <p:spPr>
           <a:xfrm>
-            <a:off x="3193415" y="4711700"/>
+            <a:off x="3883660" y="3888740"/>
             <a:ext cx="1125855" cy="285750"/>
           </a:xfrm>
           <a:prstGeom prst="roundRect">
@@ -8743,7 +8743,7 @@
         </p:nvCxnSpPr>
         <p:spPr>
           <a:xfrm>
-            <a:off x="586740" y="1413510"/>
+            <a:off x="1276985" y="590550"/>
             <a:ext cx="3175" cy="219075"/>
           </a:xfrm>
           <a:prstGeom prst="straightConnector1">
@@ -8780,7 +8780,7 @@
         </p:nvCxnSpPr>
         <p:spPr>
           <a:xfrm>
-            <a:off x="580390" y="1899285"/>
+            <a:off x="1270635" y="1076325"/>
             <a:ext cx="3175" cy="219075"/>
           </a:xfrm>
           <a:prstGeom prst="straightConnector1">
@@ -8817,7 +8817,7 @@
         </p:nvCxnSpPr>
         <p:spPr>
           <a:xfrm>
-            <a:off x="580390" y="2406650"/>
+            <a:off x="1270635" y="1583690"/>
             <a:ext cx="3175" cy="219075"/>
           </a:xfrm>
           <a:prstGeom prst="straightConnector1">
@@ -8854,7 +8854,7 @@
         </p:nvCxnSpPr>
         <p:spPr>
           <a:xfrm>
-            <a:off x="580390" y="2894965"/>
+            <a:off x="1270635" y="2072005"/>
             <a:ext cx="3175" cy="219075"/>
           </a:xfrm>
           <a:prstGeom prst="straightConnector1">
@@ -8891,7 +8891,7 @@
         </p:nvCxnSpPr>
         <p:spPr>
           <a:xfrm>
-            <a:off x="580390" y="3380105"/>
+            <a:off x="1270635" y="2557145"/>
             <a:ext cx="3175" cy="219075"/>
           </a:xfrm>
           <a:prstGeom prst="straightConnector1">
@@ -8928,7 +8928,7 @@
         </p:nvCxnSpPr>
         <p:spPr>
           <a:xfrm>
-            <a:off x="580390" y="3867785"/>
+            <a:off x="1270635" y="3044825"/>
             <a:ext cx="3175" cy="219075"/>
           </a:xfrm>
           <a:prstGeom prst="straightConnector1">
@@ -8965,7 +8965,7 @@
         </p:nvCxnSpPr>
         <p:spPr>
           <a:xfrm>
-            <a:off x="586740" y="4372610"/>
+            <a:off x="1276985" y="3549650"/>
             <a:ext cx="3175" cy="219075"/>
           </a:xfrm>
           <a:prstGeom prst="straightConnector1">
@@ -9002,7 +9002,7 @@
         </p:nvCxnSpPr>
         <p:spPr>
           <a:xfrm>
-            <a:off x="586740" y="3489325"/>
+            <a:off x="1276985" y="2666365"/>
             <a:ext cx="1457960" cy="1905"/>
           </a:xfrm>
           <a:prstGeom prst="straightConnector1">
@@ -9039,7 +9039,7 @@
         </p:nvCxnSpPr>
         <p:spPr>
           <a:xfrm flipV="1">
-            <a:off x="2063750" y="3319780"/>
+            <a:off x="2753995" y="2496820"/>
             <a:ext cx="0" cy="274320"/>
           </a:xfrm>
           <a:prstGeom prst="straightConnector1">
@@ -9076,7 +9076,7 @@
         </p:nvCxnSpPr>
         <p:spPr>
           <a:xfrm flipV="1">
-            <a:off x="586740" y="2468880"/>
+            <a:off x="1276985" y="1645920"/>
             <a:ext cx="632460" cy="635"/>
           </a:xfrm>
           <a:prstGeom prst="straightConnector1">
@@ -9113,7 +9113,7 @@
         </p:nvCxnSpPr>
         <p:spPr>
           <a:xfrm flipV="1">
-            <a:off x="1219200" y="1713230"/>
+            <a:off x="1909445" y="890270"/>
             <a:ext cx="6350" cy="740410"/>
           </a:xfrm>
           <a:prstGeom prst="straightConnector1">
@@ -9150,7 +9150,7 @@
         </p:nvCxnSpPr>
         <p:spPr>
           <a:xfrm flipV="1">
-            <a:off x="1225550" y="1706880"/>
+            <a:off x="1915795" y="883920"/>
             <a:ext cx="247650" cy="6350"/>
           </a:xfrm>
           <a:prstGeom prst="straightConnector1">
@@ -9187,8 +9187,8 @@
         </p:nvCxnSpPr>
         <p:spPr>
           <a:xfrm>
-            <a:off x="589915" y="5106670"/>
-            <a:ext cx="1461135" cy="1270"/>
+            <a:off x="1280160" y="4283710"/>
+            <a:ext cx="1474470" cy="635"/>
           </a:xfrm>
           <a:prstGeom prst="straightConnector1">
             <a:avLst/>
@@ -9224,7 +9224,7 @@
         </p:nvCxnSpPr>
         <p:spPr>
           <a:xfrm>
-            <a:off x="589915" y="4883150"/>
+            <a:off x="1280160" y="4060190"/>
             <a:ext cx="3175" cy="219075"/>
           </a:xfrm>
           <a:prstGeom prst="straightConnector1">
@@ -9260,9 +9260,9 @@
           </p:nvPr>
         </p:nvCxnSpPr>
         <p:spPr>
-          <a:xfrm flipV="1">
-            <a:off x="2057400" y="4723130"/>
-            <a:ext cx="6350" cy="372110"/>
+          <a:xfrm flipH="1" flipV="1">
+            <a:off x="2753995" y="3900170"/>
+            <a:ext cx="635" cy="387350"/>
           </a:xfrm>
           <a:prstGeom prst="straightConnector1">
             <a:avLst/>
@@ -9298,7 +9298,7 @@
         </p:nvCxnSpPr>
         <p:spPr>
           <a:xfrm flipV="1">
-            <a:off x="2044700" y="4295140"/>
+            <a:off x="2734945" y="3472180"/>
             <a:ext cx="0" cy="147955"/>
           </a:xfrm>
           <a:prstGeom prst="straightConnector1">
@@ -9335,7 +9335,7 @@
         </p:nvCxnSpPr>
         <p:spPr>
           <a:xfrm flipV="1">
-            <a:off x="2051050" y="3868420"/>
+            <a:off x="2741295" y="3045460"/>
             <a:ext cx="0" cy="147955"/>
           </a:xfrm>
           <a:prstGeom prst="straightConnector1">
@@ -9374,7 +9374,7 @@
         </p:nvCxnSpPr>
         <p:spPr>
           <a:xfrm flipV="1">
-            <a:off x="2063750" y="2841625"/>
+            <a:off x="2753995" y="2018665"/>
             <a:ext cx="6985" cy="201295"/>
           </a:xfrm>
           <a:prstGeom prst="straightConnector1">
@@ -9413,7 +9413,7 @@
         </p:nvCxnSpPr>
         <p:spPr>
           <a:xfrm flipH="1" flipV="1">
-            <a:off x="2070100" y="2327275"/>
+            <a:off x="2760345" y="1504315"/>
             <a:ext cx="635" cy="228600"/>
           </a:xfrm>
           <a:prstGeom prst="straightConnector1">
@@ -9452,7 +9452,7 @@
         </p:nvCxnSpPr>
         <p:spPr>
           <a:xfrm flipV="1">
-            <a:off x="2057400" y="1856105"/>
+            <a:off x="2747645" y="1033145"/>
             <a:ext cx="1270" cy="191135"/>
           </a:xfrm>
           <a:prstGeom prst="straightConnector1">
@@ -9489,7 +9489,7 @@
         </p:nvCxnSpPr>
         <p:spPr>
           <a:xfrm flipH="1" flipV="1">
-            <a:off x="2051050" y="1384300"/>
+            <a:off x="2741295" y="561340"/>
             <a:ext cx="1270" cy="201930"/>
           </a:xfrm>
           <a:prstGeom prst="straightConnector1">
@@ -9526,7 +9526,7 @@
         </p:nvCxnSpPr>
         <p:spPr>
           <a:xfrm flipV="1">
-            <a:off x="2058670" y="4371340"/>
+            <a:off x="2748915" y="3548380"/>
             <a:ext cx="1122680" cy="1905"/>
           </a:xfrm>
           <a:prstGeom prst="straightConnector1">
@@ -9563,7 +9563,7 @@
         </p:nvCxnSpPr>
         <p:spPr>
           <a:xfrm flipV="1">
-            <a:off x="2070735" y="2469515"/>
+            <a:off x="2760980" y="1646555"/>
             <a:ext cx="1122680" cy="1905"/>
           </a:xfrm>
           <a:prstGeom prst="straightConnector1">
@@ -9602,7 +9602,7 @@
         </p:nvCxnSpPr>
         <p:spPr>
           <a:xfrm flipH="1">
-            <a:off x="3741420" y="2622550"/>
+            <a:off x="4431665" y="1799590"/>
             <a:ext cx="1270" cy="362585"/>
           </a:xfrm>
           <a:prstGeom prst="straightConnector1">
@@ -9639,7 +9639,7 @@
         </p:nvCxnSpPr>
         <p:spPr>
           <a:xfrm>
-            <a:off x="3733165" y="4511675"/>
+            <a:off x="4423410" y="3688715"/>
             <a:ext cx="3175" cy="219075"/>
           </a:xfrm>
           <a:prstGeom prst="straightConnector1">
@@ -9676,7 +9676,7 @@
         </p:nvCxnSpPr>
         <p:spPr>
           <a:xfrm>
-            <a:off x="3741420" y="3270250"/>
+            <a:off x="4431665" y="2447290"/>
             <a:ext cx="5080" cy="358140"/>
           </a:xfrm>
           <a:prstGeom prst="straightConnector1">
@@ -9713,7 +9713,7 @@
         </p:nvCxnSpPr>
         <p:spPr>
           <a:xfrm>
-            <a:off x="3736340" y="3884930"/>
+            <a:off x="4426585" y="3061970"/>
             <a:ext cx="5080" cy="358140"/>
           </a:xfrm>
           <a:prstGeom prst="straightConnector1">
@@ -9750,7 +9750,7 @@
         </p:nvCxnSpPr>
         <p:spPr>
           <a:xfrm>
-            <a:off x="2616200" y="1271270"/>
+            <a:off x="3306445" y="448310"/>
             <a:ext cx="2273300" cy="7620"/>
           </a:xfrm>
           <a:prstGeom prst="straightConnector1">
@@ -9787,7 +9787,7 @@
         </p:nvCxnSpPr>
         <p:spPr>
           <a:xfrm>
-            <a:off x="3733800" y="1266190"/>
+            <a:off x="4424045" y="443230"/>
             <a:ext cx="6350" cy="381000"/>
           </a:xfrm>
           <a:prstGeom prst="straightConnector1">
@@ -9826,7 +9826,7 @@
         </p:nvCxnSpPr>
         <p:spPr>
           <a:xfrm>
-            <a:off x="3740150" y="1946275"/>
+            <a:off x="4430395" y="1123315"/>
             <a:ext cx="4445" cy="393700"/>
           </a:xfrm>
           <a:prstGeom prst="straightConnector1">
@@ -9863,7 +9863,7 @@
         </p:nvCxnSpPr>
         <p:spPr>
           <a:xfrm flipV="1">
-            <a:off x="3746500" y="3428365"/>
+            <a:off x="4436745" y="2605405"/>
             <a:ext cx="1122680" cy="1905"/>
           </a:xfrm>
           <a:prstGeom prst="straightConnector1">
@@ -9900,7 +9900,7 @@
         </p:nvCxnSpPr>
         <p:spPr>
           <a:xfrm flipV="1">
-            <a:off x="3729990" y="5216525"/>
+            <a:off x="4420235" y="4393565"/>
             <a:ext cx="1122680" cy="1905"/>
           </a:xfrm>
           <a:prstGeom prst="straightConnector1">
@@ -9937,7 +9937,7 @@
         </p:nvCxnSpPr>
         <p:spPr>
           <a:xfrm>
-            <a:off x="3729990" y="4997450"/>
+            <a:off x="4420235" y="4174490"/>
             <a:ext cx="3175" cy="219075"/>
           </a:xfrm>
           <a:prstGeom prst="straightConnector1">
@@ -9974,7 +9974,7 @@
         </p:nvSpPr>
         <p:spPr>
           <a:xfrm>
-            <a:off x="4889500" y="1130935"/>
+            <a:off x="5579745" y="307975"/>
             <a:ext cx="658495" cy="285750"/>
           </a:xfrm>
           <a:prstGeom prst="roundRect">
@@ -10026,7 +10026,7 @@
         </p:nvSpPr>
         <p:spPr>
           <a:xfrm>
-            <a:off x="4869180" y="3292475"/>
+            <a:off x="5559425" y="2469515"/>
             <a:ext cx="658495" cy="285750"/>
           </a:xfrm>
           <a:prstGeom prst="roundRect">
@@ -10078,7 +10078,7 @@
         </p:nvSpPr>
         <p:spPr>
           <a:xfrm>
-            <a:off x="4852670" y="5036820"/>
+            <a:off x="5542915" y="4213860"/>
             <a:ext cx="658495" cy="285750"/>
           </a:xfrm>
           <a:prstGeom prst="roundRect">
@@ -10130,7 +10130,7 @@
         </p:nvSpPr>
         <p:spPr>
           <a:xfrm>
-            <a:off x="593090" y="1899285"/>
+            <a:off x="1283335" y="1076325"/>
             <a:ext cx="748030" cy="173355"/>
           </a:xfrm>
           <a:prstGeom prst="rect">
@@ -10163,7 +10163,7 @@
         </p:nvSpPr>
         <p:spPr>
           <a:xfrm>
-            <a:off x="59690" y="2406650"/>
+            <a:off x="749935" y="1583690"/>
             <a:ext cx="748030" cy="173355"/>
           </a:xfrm>
           <a:prstGeom prst="rect">
@@ -10196,7 +10196,7 @@
         </p:nvSpPr>
         <p:spPr>
           <a:xfrm>
-            <a:off x="580390" y="2869565"/>
+            <a:off x="1270635" y="2046605"/>
             <a:ext cx="748030" cy="173355"/>
           </a:xfrm>
           <a:prstGeom prst="rect">
@@ -10229,7 +10229,7 @@
         </p:nvSpPr>
         <p:spPr>
           <a:xfrm>
-            <a:off x="589915" y="3837940"/>
+            <a:off x="1280160" y="3014980"/>
             <a:ext cx="748030" cy="173355"/>
           </a:xfrm>
           <a:prstGeom prst="rect">
@@ -10262,7 +10262,7 @@
         </p:nvSpPr>
         <p:spPr>
           <a:xfrm>
-            <a:off x="4011930" y="1045210"/>
+            <a:off x="4702175" y="222250"/>
             <a:ext cx="748030" cy="173355"/>
           </a:xfrm>
           <a:prstGeom prst="rect">
@@ -10295,7 +10295,7 @@
         </p:nvSpPr>
         <p:spPr>
           <a:xfrm>
-            <a:off x="4011930" y="3218815"/>
+            <a:off x="4702175" y="2395855"/>
             <a:ext cx="748030" cy="173355"/>
           </a:xfrm>
           <a:prstGeom prst="rect">
@@ -10328,7 +10328,7 @@
         </p:nvSpPr>
         <p:spPr>
           <a:xfrm>
-            <a:off x="4011930" y="4988560"/>
+            <a:off x="4702175" y="4165600"/>
             <a:ext cx="748030" cy="173355"/>
           </a:xfrm>
           <a:prstGeom prst="rect">
@@ -10361,7 +10361,7 @@
         </p:nvSpPr>
         <p:spPr>
           <a:xfrm>
-            <a:off x="1097915" y="5859145"/>
+            <a:off x="5291455" y="1218565"/>
             <a:ext cx="2732405" cy="403860"/>
           </a:xfrm>
           <a:prstGeom prst="rect">
@@ -10387,6 +10387,426 @@
                 <a:schemeClr val="tx1"/>
               </a:solidFill>
             </a:endParaRPr>
+          </a:p>
+        </p:txBody>
+      </p:sp>
+      <p:sp>
+        <p:nvSpPr>
+          <p:cNvPr id="2" name="圆角矩形 1"/>
+          <p:cNvSpPr/>
+          <p:nvPr>
+            <p:custDataLst>
+              <p:tags r:id="rId163"/>
+            </p:custDataLst>
+          </p:nvPr>
+        </p:nvSpPr>
+        <p:spPr>
+          <a:xfrm>
+            <a:off x="1205230" y="5468620"/>
+            <a:ext cx="427355" cy="285750"/>
+          </a:xfrm>
+          <a:prstGeom prst="roundRect">
+            <a:avLst/>
+          </a:prstGeom>
+          <a:solidFill>
+            <a:schemeClr val="accent5">
+              <a:lumMod val="75000"/>
+            </a:schemeClr>
+          </a:solidFill>
+        </p:spPr>
+        <p:style>
+          <a:lnRef idx="2">
+            <a:schemeClr val="accent1">
+              <a:lumMod val="75000"/>
+            </a:schemeClr>
+          </a:lnRef>
+          <a:fillRef idx="1">
+            <a:schemeClr val="accent1"/>
+          </a:fillRef>
+          <a:effectRef idx="0">
+            <a:srgbClr val="FFFFFF"/>
+          </a:effectRef>
+          <a:fontRef idx="minor">
+            <a:schemeClr val="lt1"/>
+          </a:fontRef>
+        </p:style>
+        <p:txBody>
+          <a:bodyPr rtlCol="0" anchor="ctr"/>
+          <a:p>
+            <a:pPr algn="ctr"/>
+            <a:r>
+              <a:rPr lang="en-US" altLang="zh-CN" sz="1000"/>
+              <a:t>CBS</a:t>
+            </a:r>
+            <a:endParaRPr lang="en-US" altLang="zh-CN" sz="1000"/>
+          </a:p>
+        </p:txBody>
+      </p:sp>
+      <p:sp>
+        <p:nvSpPr>
+          <p:cNvPr id="3" name="圆角矩形 2"/>
+          <p:cNvSpPr/>
+          <p:nvPr>
+            <p:custDataLst>
+              <p:tags r:id="rId164"/>
+            </p:custDataLst>
+          </p:nvPr>
+        </p:nvSpPr>
+        <p:spPr>
+          <a:xfrm>
+            <a:off x="1632585" y="5468620"/>
+            <a:ext cx="427355" cy="285750"/>
+          </a:xfrm>
+          <a:prstGeom prst="roundRect">
+            <a:avLst/>
+          </a:prstGeom>
+          <a:solidFill>
+            <a:schemeClr val="accent5">
+              <a:lumMod val="75000"/>
+            </a:schemeClr>
+          </a:solidFill>
+        </p:spPr>
+        <p:style>
+          <a:lnRef idx="2">
+            <a:schemeClr val="accent1">
+              <a:lumMod val="75000"/>
+            </a:schemeClr>
+          </a:lnRef>
+          <a:fillRef idx="1">
+            <a:schemeClr val="accent1"/>
+          </a:fillRef>
+          <a:effectRef idx="0">
+            <a:srgbClr val="FFFFFF"/>
+          </a:effectRef>
+          <a:fontRef idx="minor">
+            <a:schemeClr val="lt1"/>
+          </a:fontRef>
+        </p:style>
+        <p:txBody>
+          <a:bodyPr rtlCol="0" anchor="ctr"/>
+          <a:p>
+            <a:pPr algn="ctr"/>
+            <a:r>
+              <a:rPr lang="en-US" altLang="zh-CN" sz="1000"/>
+              <a:t>CBS</a:t>
+            </a:r>
+            <a:endParaRPr lang="en-US" altLang="zh-CN" sz="1000"/>
+          </a:p>
+        </p:txBody>
+      </p:sp>
+      <p:sp>
+        <p:nvSpPr>
+          <p:cNvPr id="7" name="圆角矩形 6"/>
+          <p:cNvSpPr/>
+          <p:nvPr>
+            <p:custDataLst>
+              <p:tags r:id="rId165"/>
+            </p:custDataLst>
+          </p:nvPr>
+        </p:nvSpPr>
+        <p:spPr>
+          <a:xfrm>
+            <a:off x="2059940" y="5468620"/>
+            <a:ext cx="427990" cy="285750"/>
+          </a:xfrm>
+          <a:prstGeom prst="roundRect">
+            <a:avLst/>
+          </a:prstGeom>
+          <a:solidFill>
+            <a:schemeClr val="accent5">
+              <a:lumMod val="60000"/>
+              <a:lumOff val="40000"/>
+            </a:schemeClr>
+          </a:solidFill>
+        </p:spPr>
+        <p:style>
+          <a:lnRef idx="2">
+            <a:schemeClr val="accent1">
+              <a:lumMod val="75000"/>
+            </a:schemeClr>
+          </a:lnRef>
+          <a:fillRef idx="1">
+            <a:schemeClr val="accent1"/>
+          </a:fillRef>
+          <a:effectRef idx="0">
+            <a:srgbClr val="FFFFFF"/>
+          </a:effectRef>
+          <a:fontRef idx="minor">
+            <a:schemeClr val="lt1"/>
+          </a:fontRef>
+        </p:style>
+        <p:txBody>
+          <a:bodyPr rtlCol="0" anchor="ctr"/>
+          <a:p>
+            <a:pPr algn="ctr"/>
+            <a:r>
+              <a:rPr lang="en-US" altLang="zh-CN" sz="1000"/>
+              <a:t>CBS</a:t>
+            </a:r>
+            <a:endParaRPr lang="en-US" altLang="zh-CN" sz="1000"/>
+          </a:p>
+        </p:txBody>
+      </p:sp>
+      <p:sp>
+        <p:nvSpPr>
+          <p:cNvPr id="8" name="圆角矩形 7"/>
+          <p:cNvSpPr/>
+          <p:nvPr>
+            <p:custDataLst>
+              <p:tags r:id="rId166"/>
+            </p:custDataLst>
+          </p:nvPr>
+        </p:nvSpPr>
+        <p:spPr>
+          <a:xfrm>
+            <a:off x="2614930" y="5468620"/>
+            <a:ext cx="740410" cy="285750"/>
+          </a:xfrm>
+          <a:prstGeom prst="roundRect">
+            <a:avLst/>
+          </a:prstGeom>
+          <a:solidFill>
+            <a:schemeClr val="accent5">
+              <a:lumMod val="60000"/>
+              <a:lumOff val="40000"/>
+            </a:schemeClr>
+          </a:solidFill>
+        </p:spPr>
+        <p:style>
+          <a:lnRef idx="2">
+            <a:schemeClr val="accent1">
+              <a:lumMod val="75000"/>
+            </a:schemeClr>
+          </a:lnRef>
+          <a:fillRef idx="1">
+            <a:schemeClr val="accent1"/>
+          </a:fillRef>
+          <a:effectRef idx="0">
+            <a:srgbClr val="FFFFFF"/>
+          </a:effectRef>
+          <a:fontRef idx="minor">
+            <a:schemeClr val="lt1"/>
+          </a:fontRef>
+        </p:style>
+        <p:txBody>
+          <a:bodyPr rtlCol="0" anchor="ctr"/>
+          <a:p>
+            <a:pPr algn="ctr"/>
+            <a:r>
+              <a:rPr lang="en-US" altLang="zh-CN" sz="1000"/>
+              <a:t>Box loss</a:t>
+            </a:r>
+            <a:endParaRPr lang="en-US" altLang="zh-CN" sz="1000"/>
+          </a:p>
+        </p:txBody>
+      </p:sp>
+      <p:sp>
+        <p:nvSpPr>
+          <p:cNvPr id="9" name="圆角矩形 8"/>
+          <p:cNvSpPr/>
+          <p:nvPr>
+            <p:custDataLst>
+              <p:tags r:id="rId167"/>
+            </p:custDataLst>
+          </p:nvPr>
+        </p:nvSpPr>
+        <p:spPr>
+          <a:xfrm>
+            <a:off x="1205230" y="5900420"/>
+            <a:ext cx="427355" cy="285750"/>
+          </a:xfrm>
+          <a:prstGeom prst="roundRect">
+            <a:avLst/>
+          </a:prstGeom>
+          <a:solidFill>
+            <a:schemeClr val="accent5">
+              <a:lumMod val="75000"/>
+            </a:schemeClr>
+          </a:solidFill>
+        </p:spPr>
+        <p:style>
+          <a:lnRef idx="2">
+            <a:schemeClr val="accent1">
+              <a:lumMod val="75000"/>
+            </a:schemeClr>
+          </a:lnRef>
+          <a:fillRef idx="1">
+            <a:schemeClr val="accent1"/>
+          </a:fillRef>
+          <a:effectRef idx="0">
+            <a:srgbClr val="FFFFFF"/>
+          </a:effectRef>
+          <a:fontRef idx="minor">
+            <a:schemeClr val="lt1"/>
+          </a:fontRef>
+        </p:style>
+        <p:txBody>
+          <a:bodyPr rtlCol="0" anchor="ctr"/>
+          <a:p>
+            <a:pPr algn="ctr"/>
+            <a:r>
+              <a:rPr lang="en-US" altLang="zh-CN" sz="1000"/>
+              <a:t>CBS</a:t>
+            </a:r>
+            <a:endParaRPr lang="en-US" altLang="zh-CN" sz="1000"/>
+          </a:p>
+        </p:txBody>
+      </p:sp>
+      <p:sp>
+        <p:nvSpPr>
+          <p:cNvPr id="10" name="圆角矩形 9"/>
+          <p:cNvSpPr/>
+          <p:nvPr>
+            <p:custDataLst>
+              <p:tags r:id="rId168"/>
+            </p:custDataLst>
+          </p:nvPr>
+        </p:nvSpPr>
+        <p:spPr>
+          <a:xfrm>
+            <a:off x="1632585" y="5900420"/>
+            <a:ext cx="427355" cy="285750"/>
+          </a:xfrm>
+          <a:prstGeom prst="roundRect">
+            <a:avLst/>
+          </a:prstGeom>
+          <a:solidFill>
+            <a:schemeClr val="accent5">
+              <a:lumMod val="75000"/>
+            </a:schemeClr>
+          </a:solidFill>
+        </p:spPr>
+        <p:style>
+          <a:lnRef idx="2">
+            <a:schemeClr val="accent1">
+              <a:lumMod val="75000"/>
+            </a:schemeClr>
+          </a:lnRef>
+          <a:fillRef idx="1">
+            <a:schemeClr val="accent1"/>
+          </a:fillRef>
+          <a:effectRef idx="0">
+            <a:srgbClr val="FFFFFF"/>
+          </a:effectRef>
+          <a:fontRef idx="minor">
+            <a:schemeClr val="lt1"/>
+          </a:fontRef>
+        </p:style>
+        <p:txBody>
+          <a:bodyPr rtlCol="0" anchor="ctr"/>
+          <a:p>
+            <a:pPr algn="ctr"/>
+            <a:r>
+              <a:rPr lang="en-US" altLang="zh-CN" sz="1000"/>
+              <a:t>CBS</a:t>
+            </a:r>
+            <a:endParaRPr lang="en-US" altLang="zh-CN" sz="1000"/>
+          </a:p>
+        </p:txBody>
+      </p:sp>
+      <p:sp>
+        <p:nvSpPr>
+          <p:cNvPr id="11" name="圆角矩形 10"/>
+          <p:cNvSpPr/>
+          <p:nvPr>
+            <p:custDataLst>
+              <p:tags r:id="rId169"/>
+            </p:custDataLst>
+          </p:nvPr>
+        </p:nvSpPr>
+        <p:spPr>
+          <a:xfrm>
+            <a:off x="2059940" y="5900420"/>
+            <a:ext cx="427990" cy="285750"/>
+          </a:xfrm>
+          <a:prstGeom prst="roundRect">
+            <a:avLst/>
+          </a:prstGeom>
+          <a:solidFill>
+            <a:schemeClr val="accent5">
+              <a:lumMod val="60000"/>
+              <a:lumOff val="40000"/>
+            </a:schemeClr>
+          </a:solidFill>
+        </p:spPr>
+        <p:style>
+          <a:lnRef idx="2">
+            <a:schemeClr val="accent1">
+              <a:lumMod val="75000"/>
+            </a:schemeClr>
+          </a:lnRef>
+          <a:fillRef idx="1">
+            <a:schemeClr val="accent1"/>
+          </a:fillRef>
+          <a:effectRef idx="0">
+            <a:srgbClr val="FFFFFF"/>
+          </a:effectRef>
+          <a:fontRef idx="minor">
+            <a:schemeClr val="lt1"/>
+          </a:fontRef>
+        </p:style>
+        <p:txBody>
+          <a:bodyPr rtlCol="0" anchor="ctr"/>
+          <a:p>
+            <a:pPr algn="ctr"/>
+            <a:r>
+              <a:rPr lang="en-US" altLang="zh-CN" sz="1000"/>
+              <a:t>CBS</a:t>
+            </a:r>
+            <a:endParaRPr lang="en-US" altLang="zh-CN" sz="1000"/>
+          </a:p>
+        </p:txBody>
+      </p:sp>
+      <p:sp>
+        <p:nvSpPr>
+          <p:cNvPr id="12" name="圆角矩形 11"/>
+          <p:cNvSpPr/>
+          <p:nvPr>
+            <p:custDataLst>
+              <p:tags r:id="rId170"/>
+            </p:custDataLst>
+          </p:nvPr>
+        </p:nvSpPr>
+        <p:spPr>
+          <a:xfrm>
+            <a:off x="2614930" y="5900420"/>
+            <a:ext cx="741045" cy="285750"/>
+          </a:xfrm>
+          <a:prstGeom prst="roundRect">
+            <a:avLst/>
+          </a:prstGeom>
+          <a:solidFill>
+            <a:schemeClr val="accent5">
+              <a:lumMod val="60000"/>
+              <a:lumOff val="40000"/>
+            </a:schemeClr>
+          </a:solidFill>
+        </p:spPr>
+        <p:style>
+          <a:lnRef idx="2">
+            <a:schemeClr val="accent1">
+              <a:lumMod val="75000"/>
+            </a:schemeClr>
+          </a:lnRef>
+          <a:fillRef idx="1">
+            <a:schemeClr val="accent1"/>
+          </a:fillRef>
+          <a:effectRef idx="0">
+            <a:srgbClr val="FFFFFF"/>
+          </a:effectRef>
+          <a:fontRef idx="minor">
+            <a:schemeClr val="lt1"/>
+          </a:fontRef>
+        </p:style>
+        <p:txBody>
+          <a:bodyPr rtlCol="0" anchor="ctr"/>
+          <a:p>
+            <a:pPr algn="ctr"/>
+            <a:r>
+              <a:rPr lang="en-US" altLang="zh-CN" sz="1000"/>
+              <a:t>Class loss</a:t>
+            </a:r>
+            <a:endParaRPr lang="en-US" altLang="zh-CN" sz="1000"/>
           </a:p>
         </p:txBody>
       </p:sp>
@@ -16857,13 +17277,61 @@
 
 <file path=ppt/tags/tag289.xml><?xml version="1.0" encoding="utf-8"?>
 <p:tagLst xmlns:p="http://schemas.openxmlformats.org/presentationml/2006/main">
+  <p:tag name="KSO_WM_BEAUTIFY_FLAG" val=""/>
+</p:tagLst>
+</file>
+
+<file path=ppt/tags/tag29.xml><?xml version="1.0" encoding="utf-8"?>
+<p:tagLst xmlns:p="http://schemas.openxmlformats.org/presentationml/2006/main">
+  <p:tag name="KSO_WM_BEAUTIFY_FLAG" val=""/>
+</p:tagLst>
+</file>
+
+<file path=ppt/tags/tag290.xml><?xml version="1.0" encoding="utf-8"?>
+<p:tagLst xmlns:p="http://schemas.openxmlformats.org/presentationml/2006/main">
+  <p:tag name="KSO_WM_BEAUTIFY_FLAG" val=""/>
+</p:tagLst>
+</file>
+
+<file path=ppt/tags/tag291.xml><?xml version="1.0" encoding="utf-8"?>
+<p:tagLst xmlns:p="http://schemas.openxmlformats.org/presentationml/2006/main">
+  <p:tag name="KSO_WM_BEAUTIFY_FLAG" val=""/>
+</p:tagLst>
+</file>
+
+<file path=ppt/tags/tag292.xml><?xml version="1.0" encoding="utf-8"?>
+<p:tagLst xmlns:p="http://schemas.openxmlformats.org/presentationml/2006/main">
+  <p:tag name="KSO_WM_BEAUTIFY_FLAG" val=""/>
+</p:tagLst>
+</file>
+
+<file path=ppt/tags/tag293.xml><?xml version="1.0" encoding="utf-8"?>
+<p:tagLst xmlns:p="http://schemas.openxmlformats.org/presentationml/2006/main">
+  <p:tag name="KSO_WM_BEAUTIFY_FLAG" val=""/>
+</p:tagLst>
+</file>
+
+<file path=ppt/tags/tag294.xml><?xml version="1.0" encoding="utf-8"?>
+<p:tagLst xmlns:p="http://schemas.openxmlformats.org/presentationml/2006/main">
+  <p:tag name="KSO_WM_BEAUTIFY_FLAG" val=""/>
+</p:tagLst>
+</file>
+
+<file path=ppt/tags/tag295.xml><?xml version="1.0" encoding="utf-8"?>
+<p:tagLst xmlns:p="http://schemas.openxmlformats.org/presentationml/2006/main">
+  <p:tag name="KSO_WM_BEAUTIFY_FLAG" val=""/>
+</p:tagLst>
+</file>
+
+<file path=ppt/tags/tag296.xml><?xml version="1.0" encoding="utf-8"?>
+<p:tagLst xmlns:p="http://schemas.openxmlformats.org/presentationml/2006/main">
+  <p:tag name="KSO_WM_BEAUTIFY_FLAG" val=""/>
+</p:tagLst>
+</file>
+
+<file path=ppt/tags/tag297.xml><?xml version="1.0" encoding="utf-8"?>
+<p:tagLst xmlns:p="http://schemas.openxmlformats.org/presentationml/2006/main">
   <p:tag name="COMMONDATA" val="eyJoZGlkIjoiNjg3Y2I0ZmFjNDU1ZjAyMDNmOGMyYTk4M2Y4N2VmM2QifQ=="/>
-</p:tagLst>
-</file>
-
-<file path=ppt/tags/tag29.xml><?xml version="1.0" encoding="utf-8"?>
-<p:tagLst xmlns:p="http://schemas.openxmlformats.org/presentationml/2006/main">
-  <p:tag name="KSO_WM_BEAUTIFY_FLAG" val=""/>
 </p:tagLst>
 </file>
 
